--- a/presentation/Intro to Neo4J.pptx
+++ b/presentation/Intro to Neo4J.pptx
@@ -12,14 +12,15 @@
     <p:sldId id="259" r:id="rId6"/>
     <p:sldId id="267" r:id="rId7"/>
     <p:sldId id="268" r:id="rId8"/>
-    <p:sldId id="261" r:id="rId9"/>
-    <p:sldId id="265" r:id="rId10"/>
-    <p:sldId id="260" r:id="rId11"/>
-    <p:sldId id="266" r:id="rId12"/>
-    <p:sldId id="262" r:id="rId13"/>
-    <p:sldId id="270" r:id="rId14"/>
-    <p:sldId id="264" r:id="rId15"/>
-    <p:sldId id="271" r:id="rId16"/>
+    <p:sldId id="272" r:id="rId9"/>
+    <p:sldId id="261" r:id="rId10"/>
+    <p:sldId id="265" r:id="rId11"/>
+    <p:sldId id="260" r:id="rId12"/>
+    <p:sldId id="266" r:id="rId13"/>
+    <p:sldId id="262" r:id="rId14"/>
+    <p:sldId id="270" r:id="rId15"/>
+    <p:sldId id="264" r:id="rId16"/>
+    <p:sldId id="271" r:id="rId17"/>
   </p:sldIdLst>
   <p:sldSz cx="12192000" cy="6858000"/>
   <p:notesSz cx="6858000" cy="9144000"/>
@@ -3622,6 +3623,249 @@
 <file path=ppt/slides/slide10.xml><?xml version="1.0" encoding="utf-8"?>
 <p:sld xmlns:a="http://schemas.openxmlformats.org/drawingml/2006/main" xmlns:r="http://schemas.openxmlformats.org/officeDocument/2006/relationships" xmlns:p="http://schemas.openxmlformats.org/presentationml/2006/main">
   <p:cSld>
+    <p:spTree>
+      <p:nvGrpSpPr>
+        <p:cNvPr id="1" name=""/>
+        <p:cNvGrpSpPr/>
+        <p:nvPr/>
+      </p:nvGrpSpPr>
+      <p:grpSpPr>
+        <a:xfrm>
+          <a:off x="0" y="0"/>
+          <a:ext cx="0" cy="0"/>
+          <a:chOff x="0" y="0"/>
+          <a:chExt cx="0" cy="0"/>
+        </a:xfrm>
+      </p:grpSpPr>
+      <p:sp>
+        <p:nvSpPr>
+          <p:cNvPr id="2" name="Title 1">
+            <a:extLst>
+              <a:ext uri="{FF2B5EF4-FFF2-40B4-BE49-F238E27FC236}">
+                <a16:creationId xmlns:a16="http://schemas.microsoft.com/office/drawing/2014/main" id="{16FFA4AF-5AA3-5841-9DC4-B7F8B5DB2647}"/>
+              </a:ext>
+            </a:extLst>
+          </p:cNvPr>
+          <p:cNvSpPr>
+            <a:spLocks noGrp="1"/>
+          </p:cNvSpPr>
+          <p:nvPr>
+            <p:ph type="title"/>
+          </p:nvPr>
+        </p:nvSpPr>
+        <p:spPr/>
+        <p:txBody>
+          <a:bodyPr/>
+          <a:lstStyle/>
+          <a:p>
+            <a:r>
+              <a:rPr lang="en-NO" dirty="0"/>
+              <a:t>NEO4J Keywords</a:t>
+            </a:r>
+          </a:p>
+        </p:txBody>
+      </p:sp>
+      <p:sp>
+        <p:nvSpPr>
+          <p:cNvPr id="4" name="TextBox 3">
+            <a:extLst>
+              <a:ext uri="{FF2B5EF4-FFF2-40B4-BE49-F238E27FC236}">
+                <a16:creationId xmlns:a16="http://schemas.microsoft.com/office/drawing/2014/main" id="{2D5F0C07-5B94-0646-8A9F-E06940B12DE3}"/>
+              </a:ext>
+            </a:extLst>
+          </p:cNvPr>
+          <p:cNvSpPr txBox="1"/>
+          <p:nvPr/>
+        </p:nvSpPr>
+        <p:spPr>
+          <a:xfrm>
+            <a:off x="1451579" y="2360162"/>
+            <a:ext cx="4627984" cy="3693319"/>
+          </a:xfrm>
+          <a:prstGeom prst="rect">
+            <a:avLst/>
+          </a:prstGeom>
+          <a:noFill/>
+        </p:spPr>
+        <p:txBody>
+          <a:bodyPr wrap="square" rtlCol="0">
+            <a:spAutoFit/>
+          </a:bodyPr>
+          <a:lstStyle/>
+          <a:p>
+            <a:pPr marL="285750" indent="-285750">
+              <a:buFont typeface="Arial" panose="020B0604020202020204" pitchFamily="34" charset="0"/>
+              <a:buChar char="•"/>
+            </a:pPr>
+            <a:r>
+              <a:rPr lang="en-NO" sz="2600" dirty="0"/>
+              <a:t>MATCH</a:t>
+            </a:r>
+          </a:p>
+          <a:p>
+            <a:pPr marL="285750" indent="-285750">
+              <a:buFont typeface="Arial" panose="020B0604020202020204" pitchFamily="34" charset="0"/>
+              <a:buChar char="•"/>
+            </a:pPr>
+            <a:r>
+              <a:rPr lang="en-NO" sz="2600" dirty="0"/>
+              <a:t>RETURN</a:t>
+            </a:r>
+          </a:p>
+          <a:p>
+            <a:pPr marL="285750" indent="-285750">
+              <a:buFont typeface="Arial" panose="020B0604020202020204" pitchFamily="34" charset="0"/>
+              <a:buChar char="•"/>
+            </a:pPr>
+            <a:r>
+              <a:rPr lang="en-NO" sz="2600" dirty="0"/>
+              <a:t>WHERE</a:t>
+            </a:r>
+          </a:p>
+          <a:p>
+            <a:pPr marL="285750" indent="-285750">
+              <a:buFont typeface="Arial" panose="020B0604020202020204" pitchFamily="34" charset="0"/>
+              <a:buChar char="•"/>
+            </a:pPr>
+            <a:r>
+              <a:rPr lang="en-NO" sz="2600" dirty="0"/>
+              <a:t>CREATE or CREATE UNIQUE</a:t>
+            </a:r>
+          </a:p>
+          <a:p>
+            <a:pPr marL="285750" indent="-285750">
+              <a:buFont typeface="Arial" panose="020B0604020202020204" pitchFamily="34" charset="0"/>
+              <a:buChar char="•"/>
+            </a:pPr>
+            <a:r>
+              <a:rPr lang="en-NO" sz="2600" dirty="0"/>
+              <a:t>MERGE</a:t>
+            </a:r>
+          </a:p>
+          <a:p>
+            <a:pPr marL="285750" indent="-285750">
+              <a:buFont typeface="Arial" panose="020B0604020202020204" pitchFamily="34" charset="0"/>
+              <a:buChar char="•"/>
+            </a:pPr>
+            <a:r>
+              <a:rPr lang="en-NO" sz="2600" dirty="0"/>
+              <a:t>DELETE or REMOVE</a:t>
+            </a:r>
+          </a:p>
+          <a:p>
+            <a:pPr marL="285750" indent="-285750">
+              <a:buFont typeface="Arial" panose="020B0604020202020204" pitchFamily="34" charset="0"/>
+              <a:buChar char="•"/>
+            </a:pPr>
+            <a:r>
+              <a:rPr lang="en-NO" sz="2600" dirty="0"/>
+              <a:t>SET</a:t>
+            </a:r>
+            <a:br>
+              <a:rPr lang="en-NO" sz="2600" dirty="0"/>
+            </a:br>
+            <a:br>
+              <a:rPr lang="en-NO" sz="2600" dirty="0"/>
+            </a:br>
+            <a:endParaRPr lang="en-NO" sz="2600" dirty="0"/>
+          </a:p>
+        </p:txBody>
+      </p:sp>
+      <p:sp>
+        <p:nvSpPr>
+          <p:cNvPr id="5" name="TextBox 4">
+            <a:extLst>
+              <a:ext uri="{FF2B5EF4-FFF2-40B4-BE49-F238E27FC236}">
+                <a16:creationId xmlns:a16="http://schemas.microsoft.com/office/drawing/2014/main" id="{559637ED-F1E2-D849-8D00-1029420D0163}"/>
+              </a:ext>
+            </a:extLst>
+          </p:cNvPr>
+          <p:cNvSpPr txBox="1"/>
+          <p:nvPr/>
+        </p:nvSpPr>
+        <p:spPr>
+          <a:xfrm>
+            <a:off x="7875035" y="2382559"/>
+            <a:ext cx="2050561" cy="2092881"/>
+          </a:xfrm>
+          <a:prstGeom prst="rect">
+            <a:avLst/>
+          </a:prstGeom>
+          <a:noFill/>
+        </p:spPr>
+        <p:txBody>
+          <a:bodyPr wrap="none" rtlCol="0">
+            <a:spAutoFit/>
+          </a:bodyPr>
+          <a:lstStyle/>
+          <a:p>
+            <a:pPr marL="285750" indent="-285750">
+              <a:buFont typeface="Arial" panose="020B0604020202020204" pitchFamily="34" charset="0"/>
+              <a:buChar char="•"/>
+            </a:pPr>
+            <a:r>
+              <a:rPr lang="en-NO" sz="2600" dirty="0"/>
+              <a:t>ORDER BY</a:t>
+            </a:r>
+          </a:p>
+          <a:p>
+            <a:pPr marL="285750" indent="-285750">
+              <a:buFont typeface="Arial" panose="020B0604020202020204" pitchFamily="34" charset="0"/>
+              <a:buChar char="•"/>
+            </a:pPr>
+            <a:r>
+              <a:rPr lang="en-NO" sz="2600" dirty="0"/>
+              <a:t>SKIP LIMIT</a:t>
+            </a:r>
+          </a:p>
+          <a:p>
+            <a:pPr marL="285750" indent="-285750">
+              <a:buFont typeface="Arial" panose="020B0604020202020204" pitchFamily="34" charset="0"/>
+              <a:buChar char="•"/>
+            </a:pPr>
+            <a:r>
+              <a:rPr lang="en-NO" sz="2600" dirty="0"/>
+              <a:t>FOREACH</a:t>
+            </a:r>
+          </a:p>
+          <a:p>
+            <a:pPr marL="285750" indent="-285750">
+              <a:buFont typeface="Arial" panose="020B0604020202020204" pitchFamily="34" charset="0"/>
+              <a:buChar char="•"/>
+            </a:pPr>
+            <a:r>
+              <a:rPr lang="en-NO" sz="2600" dirty="0"/>
+              <a:t>UNION</a:t>
+            </a:r>
+          </a:p>
+          <a:p>
+            <a:pPr marL="285750" indent="-285750">
+              <a:buFont typeface="Arial" panose="020B0604020202020204" pitchFamily="34" charset="0"/>
+              <a:buChar char="•"/>
+            </a:pPr>
+            <a:r>
+              <a:rPr lang="en-NO" sz="2600" dirty="0"/>
+              <a:t>WITH</a:t>
+            </a:r>
+          </a:p>
+        </p:txBody>
+      </p:sp>
+    </p:spTree>
+    <p:extLst>
+      <p:ext uri="{BB962C8B-B14F-4D97-AF65-F5344CB8AC3E}">
+        <p14:creationId xmlns:p14="http://schemas.microsoft.com/office/powerpoint/2010/main" val="376452228"/>
+      </p:ext>
+    </p:extLst>
+  </p:cSld>
+  <p:clrMapOvr>
+    <a:masterClrMapping/>
+  </p:clrMapOvr>
+</p:sld>
+</file>
+
+<file path=ppt/slides/slide11.xml><?xml version="1.0" encoding="utf-8"?>
+<p:sld xmlns:a="http://schemas.openxmlformats.org/drawingml/2006/main" xmlns:r="http://schemas.openxmlformats.org/officeDocument/2006/relationships" xmlns:p="http://schemas.openxmlformats.org/presentationml/2006/main">
+  <p:cSld>
     <p:bg>
       <p:bgPr>
         <a:gradFill rotWithShape="1">
@@ -3797,64 +4041,6 @@
 </p:sld>
 </file>
 
-<file path=ppt/slides/slide11.xml><?xml version="1.0" encoding="utf-8"?>
-<p:sld xmlns:a="http://schemas.openxmlformats.org/drawingml/2006/main" xmlns:r="http://schemas.openxmlformats.org/officeDocument/2006/relationships" xmlns:p="http://schemas.openxmlformats.org/presentationml/2006/main">
-  <p:cSld>
-    <p:spTree>
-      <p:nvGrpSpPr>
-        <p:cNvPr id="1" name=""/>
-        <p:cNvGrpSpPr/>
-        <p:nvPr/>
-      </p:nvGrpSpPr>
-      <p:grpSpPr>
-        <a:xfrm>
-          <a:off x="0" y="0"/>
-          <a:ext cx="0" cy="0"/>
-          <a:chOff x="0" y="0"/>
-          <a:chExt cx="0" cy="0"/>
-        </a:xfrm>
-      </p:grpSpPr>
-      <p:sp>
-        <p:nvSpPr>
-          <p:cNvPr id="2" name="Title 1">
-            <a:extLst>
-              <a:ext uri="{FF2B5EF4-FFF2-40B4-BE49-F238E27FC236}">
-                <a16:creationId xmlns:a16="http://schemas.microsoft.com/office/drawing/2014/main" id="{4FB95E8F-444F-7849-938B-44F386FA327C}"/>
-              </a:ext>
-            </a:extLst>
-          </p:cNvPr>
-          <p:cNvSpPr>
-            <a:spLocks noGrp="1"/>
-          </p:cNvSpPr>
-          <p:nvPr>
-            <p:ph type="title"/>
-          </p:nvPr>
-        </p:nvSpPr>
-        <p:spPr/>
-        <p:txBody>
-          <a:bodyPr/>
-          <a:lstStyle/>
-          <a:p>
-            <a:r>
-              <a:rPr lang="en-NO" dirty="0"/>
-              <a:t>Example QUERIES TO NEO4J (DEMO)</a:t>
-            </a:r>
-          </a:p>
-        </p:txBody>
-      </p:sp>
-    </p:spTree>
-    <p:extLst>
-      <p:ext uri="{BB962C8B-B14F-4D97-AF65-F5344CB8AC3E}">
-        <p14:creationId xmlns:p14="http://schemas.microsoft.com/office/powerpoint/2010/main" val="2499128311"/>
-      </p:ext>
-    </p:extLst>
-  </p:cSld>
-  <p:clrMapOvr>
-    <a:masterClrMapping/>
-  </p:clrMapOvr>
-</p:sld>
-</file>
-
 <file path=ppt/slides/slide12.xml><?xml version="1.0" encoding="utf-8"?>
 <p:sld xmlns:a="http://schemas.openxmlformats.org/drawingml/2006/main" xmlns:r="http://schemas.openxmlformats.org/officeDocument/2006/relationships" xmlns:p="http://schemas.openxmlformats.org/presentationml/2006/main">
   <p:cSld>
@@ -3877,7 +4063,7 @@
           <p:cNvPr id="2" name="Title 1">
             <a:extLst>
               <a:ext uri="{FF2B5EF4-FFF2-40B4-BE49-F238E27FC236}">
-                <a16:creationId xmlns:a16="http://schemas.microsoft.com/office/drawing/2014/main" id="{5BD28079-F72F-8A4D-A559-E78EDCD8B667}"/>
+                <a16:creationId xmlns:a16="http://schemas.microsoft.com/office/drawing/2014/main" id="{4FB95E8F-444F-7849-938B-44F386FA327C}"/>
               </a:ext>
             </a:extLst>
           </p:cNvPr>
@@ -3895,76 +4081,7 @@
           <a:p>
             <a:r>
               <a:rPr lang="en-NO" dirty="0"/>
-              <a:t>INTEgration Between Java Eco-system and Neo4J</a:t>
-            </a:r>
-          </a:p>
-        </p:txBody>
-      </p:sp>
-      <p:sp>
-        <p:nvSpPr>
-          <p:cNvPr id="4" name="TextBox 3">
-            <a:extLst>
-              <a:ext uri="{FF2B5EF4-FFF2-40B4-BE49-F238E27FC236}">
-                <a16:creationId xmlns:a16="http://schemas.microsoft.com/office/drawing/2014/main" id="{A85F69BB-6C0F-C840-926E-51ED2B935E12}"/>
-              </a:ext>
-            </a:extLst>
-          </p:cNvPr>
-          <p:cNvSpPr txBox="1"/>
-          <p:nvPr/>
-        </p:nvSpPr>
-        <p:spPr>
-          <a:xfrm>
-            <a:off x="1451579" y="2258008"/>
-            <a:ext cx="3156377" cy="1692771"/>
-          </a:xfrm>
-          <a:prstGeom prst="rect">
-            <a:avLst/>
-          </a:prstGeom>
-          <a:noFill/>
-        </p:spPr>
-        <p:txBody>
-          <a:bodyPr wrap="none" rtlCol="0">
-            <a:spAutoFit/>
-          </a:bodyPr>
-          <a:lstStyle/>
-          <a:p>
-            <a:pPr marL="285750" indent="-285750">
-              <a:buFont typeface="Arial" panose="020B0604020202020204" pitchFamily="34" charset="0"/>
-              <a:buChar char="•"/>
-            </a:pPr>
-            <a:r>
-              <a:rPr lang="en-NO" sz="2600" dirty="0"/>
-              <a:t>Embedded Neo4J</a:t>
-            </a:r>
-          </a:p>
-          <a:p>
-            <a:pPr marL="285750" indent="-285750">
-              <a:buFont typeface="Arial" panose="020B0604020202020204" pitchFamily="34" charset="0"/>
-              <a:buChar char="•"/>
-            </a:pPr>
-            <a:r>
-              <a:rPr lang="en-NO" sz="2600" dirty="0"/>
-              <a:t>Neo4J Java Driver</a:t>
-            </a:r>
-          </a:p>
-          <a:p>
-            <a:pPr marL="285750" indent="-285750">
-              <a:buFont typeface="Arial" panose="020B0604020202020204" pitchFamily="34" charset="0"/>
-              <a:buChar char="•"/>
-            </a:pPr>
-            <a:r>
-              <a:rPr lang="en-NO" sz="2600" dirty="0"/>
-              <a:t>Neo4J JDBC Driver</a:t>
-            </a:r>
-          </a:p>
-          <a:p>
-            <a:pPr marL="285750" indent="-285750">
-              <a:buFont typeface="Arial" panose="020B0604020202020204" pitchFamily="34" charset="0"/>
-              <a:buChar char="•"/>
-            </a:pPr>
-            <a:r>
-              <a:rPr lang="en-NO" sz="2600" dirty="0"/>
-              <a:t>Spring Data Neo4J</a:t>
+              <a:t>Example QUERIES TO NEO4J (DEMO)</a:t>
             </a:r>
           </a:p>
         </p:txBody>
@@ -3972,7 +4089,7 @@
     </p:spTree>
     <p:extLst>
       <p:ext uri="{BB962C8B-B14F-4D97-AF65-F5344CB8AC3E}">
-        <p14:creationId xmlns:p14="http://schemas.microsoft.com/office/powerpoint/2010/main" val="3036480"/>
+        <p14:creationId xmlns:p14="http://schemas.microsoft.com/office/powerpoint/2010/main" val="2499128311"/>
       </p:ext>
     </p:extLst>
   </p:cSld>
@@ -4004,7 +4121,7 @@
           <p:cNvPr id="2" name="Title 1">
             <a:extLst>
               <a:ext uri="{FF2B5EF4-FFF2-40B4-BE49-F238E27FC236}">
-                <a16:creationId xmlns:a16="http://schemas.microsoft.com/office/drawing/2014/main" id="{16628AD3-F967-A34E-8B15-BC1A60481766}"/>
+                <a16:creationId xmlns:a16="http://schemas.microsoft.com/office/drawing/2014/main" id="{5BD28079-F72F-8A4D-A559-E78EDCD8B667}"/>
               </a:ext>
             </a:extLst>
           </p:cNvPr>
@@ -4022,7 +4139,7 @@
           <a:p>
             <a:r>
               <a:rPr lang="en-NO" dirty="0"/>
-              <a:t>Object-Graph Mapping</a:t>
+              <a:t>INTEgration Between Java Eco-system and Neo4J</a:t>
             </a:r>
           </a:p>
         </p:txBody>
@@ -4032,7 +4149,7 @@
           <p:cNvPr id="4" name="TextBox 3">
             <a:extLst>
               <a:ext uri="{FF2B5EF4-FFF2-40B4-BE49-F238E27FC236}">
-                <a16:creationId xmlns:a16="http://schemas.microsoft.com/office/drawing/2014/main" id="{8846F96C-A996-1944-BB29-CA8D2F73D9B5}"/>
+                <a16:creationId xmlns:a16="http://schemas.microsoft.com/office/drawing/2014/main" id="{A85F69BB-6C0F-C840-926E-51ED2B935E12}"/>
               </a:ext>
             </a:extLst>
           </p:cNvPr>
@@ -4041,8 +4158,8 @@
         </p:nvSpPr>
         <p:spPr>
           <a:xfrm>
-            <a:off x="1389375" y="2090057"/>
-            <a:ext cx="9603275" cy="892552"/>
+            <a:off x="1451579" y="2258008"/>
+            <a:ext cx="3156377" cy="1692771"/>
           </a:xfrm>
           <a:prstGeom prst="rect">
             <a:avLst/>
@@ -4050,175 +4167,56 @@
           <a:noFill/>
         </p:spPr>
         <p:txBody>
-          <a:bodyPr wrap="square" rtlCol="0">
-            <a:spAutoFit/>
-          </a:bodyPr>
-          <a:lstStyle/>
-          <a:p>
-            <a:r>
-              <a:rPr lang="en-NO" sz="2600" dirty="0"/>
-              <a:t>Similarly to ORM – Object-relational mapping, Neo4J has </a:t>
-            </a:r>
-            <a:br>
-              <a:rPr lang="en-NO" sz="2600" dirty="0"/>
-            </a:br>
-            <a:r>
-              <a:rPr lang="en-NO" sz="2600" b="1" dirty="0"/>
-              <a:t>Object-Graph mapping</a:t>
-            </a:r>
-            <a:r>
-              <a:rPr lang="en-NO" sz="2600" dirty="0"/>
-              <a:t>.</a:t>
-            </a:r>
-          </a:p>
-        </p:txBody>
-      </p:sp>
-      <p:sp>
-        <p:nvSpPr>
-          <p:cNvPr id="5" name="TextBox 4">
-            <a:extLst>
-              <a:ext uri="{FF2B5EF4-FFF2-40B4-BE49-F238E27FC236}">
-                <a16:creationId xmlns:a16="http://schemas.microsoft.com/office/drawing/2014/main" id="{B9E56824-6010-B84D-98C9-81DB25A2ABAD}"/>
-              </a:ext>
-            </a:extLst>
-          </p:cNvPr>
-          <p:cNvSpPr txBox="1"/>
-          <p:nvPr/>
-        </p:nvSpPr>
-        <p:spPr>
-          <a:xfrm>
-            <a:off x="3672264" y="3082549"/>
-            <a:ext cx="4302716" cy="2893100"/>
-          </a:xfrm>
-          <a:prstGeom prst="rect">
-            <a:avLst/>
-          </a:prstGeom>
-          <a:noFill/>
-        </p:spPr>
-        <p:txBody>
           <a:bodyPr wrap="none" rtlCol="0">
             <a:spAutoFit/>
           </a:bodyPr>
           <a:lstStyle/>
           <a:p>
-            <a:r>
-              <a:rPr lang="en-GB" sz="2600" dirty="0">
-                <a:solidFill>
-                  <a:srgbClr val="007B29"/>
-                </a:solidFill>
-              </a:rPr>
-              <a:t>@</a:t>
-            </a:r>
-            <a:r>
-              <a:rPr lang="en-GB" sz="2600" dirty="0" err="1">
-                <a:solidFill>
-                  <a:srgbClr val="007B29"/>
-                </a:solidFill>
-              </a:rPr>
-              <a:t>NodeEntity</a:t>
-            </a:r>
-            <a:br>
-              <a:rPr lang="en-GB" sz="2600" dirty="0"/>
-            </a:br>
-            <a:r>
-              <a:rPr lang="en-GB" sz="2600" b="1" dirty="0"/>
-              <a:t>public</a:t>
-            </a:r>
-            <a:r>
-              <a:rPr lang="en-GB" sz="2600" dirty="0"/>
-              <a:t> </a:t>
-            </a:r>
-            <a:r>
-              <a:rPr lang="en-GB" sz="2600" b="1" dirty="0"/>
-              <a:t>class</a:t>
-            </a:r>
-            <a:r>
-              <a:rPr lang="en-GB" sz="2600" dirty="0"/>
-              <a:t> </a:t>
-            </a:r>
-            <a:r>
-              <a:rPr lang="en-GB" sz="2600" b="1" dirty="0"/>
-              <a:t>Company</a:t>
-            </a:r>
-            <a:r>
-              <a:rPr lang="en-GB" sz="2600" dirty="0"/>
-              <a:t> { </a:t>
-            </a:r>
-            <a:br>
-              <a:rPr lang="en-GB" sz="2600" dirty="0"/>
-            </a:br>
-            <a:r>
-              <a:rPr lang="en-GB" sz="2600" dirty="0"/>
-              <a:t>  </a:t>
-            </a:r>
-            <a:r>
-              <a:rPr lang="en-GB" sz="2600" b="1" dirty="0"/>
-              <a:t>private</a:t>
-            </a:r>
-            <a:r>
-              <a:rPr lang="en-GB" sz="2600" dirty="0"/>
-              <a:t> Long id;</a:t>
-            </a:r>
-            <a:br>
-              <a:rPr lang="en-GB" sz="2600" dirty="0"/>
-            </a:br>
-            <a:r>
-              <a:rPr lang="en-GB" sz="2600" dirty="0"/>
-              <a:t>  </a:t>
-            </a:r>
-            <a:r>
-              <a:rPr lang="en-GB" sz="2600" b="1" dirty="0"/>
-              <a:t>private</a:t>
-            </a:r>
-            <a:r>
-              <a:rPr lang="en-GB" sz="2600" dirty="0"/>
-              <a:t> String name; </a:t>
-            </a:r>
-            <a:br>
-              <a:rPr lang="en-GB" sz="2600" dirty="0"/>
-            </a:br>
-            <a:r>
-              <a:rPr lang="en-GB" sz="2600" dirty="0"/>
-              <a:t>  </a:t>
-            </a:r>
-            <a:r>
-              <a:rPr lang="en-GB" sz="2600" dirty="0">
-                <a:solidFill>
-                  <a:srgbClr val="007B29"/>
-                </a:solidFill>
-              </a:rPr>
-              <a:t>@Relationship(type="owns")</a:t>
-            </a:r>
-            <a:br>
-              <a:rPr lang="en-GB" sz="2600" dirty="0"/>
-            </a:br>
-            <a:r>
-              <a:rPr lang="en-GB" sz="2600" dirty="0"/>
-              <a:t>  </a:t>
-            </a:r>
-            <a:r>
-              <a:rPr lang="en-GB" sz="2600" b="1" dirty="0"/>
-              <a:t>private</a:t>
-            </a:r>
-            <a:r>
-              <a:rPr lang="en-GB" sz="2600" dirty="0"/>
-              <a:t> Car car; </a:t>
-            </a:r>
-            <a:br>
-              <a:rPr lang="en-GB" sz="2600" dirty="0"/>
-            </a:br>
-            <a:r>
-              <a:rPr lang="en-GB" sz="2600" dirty="0"/>
-              <a:t>}</a:t>
-            </a:r>
-            <a:endParaRPr lang="en-NO" sz="2600" dirty="0"/>
+            <a:pPr marL="285750" indent="-285750">
+              <a:buFont typeface="Arial" panose="020B0604020202020204" pitchFamily="34" charset="0"/>
+              <a:buChar char="•"/>
+            </a:pPr>
+            <a:r>
+              <a:rPr lang="en-NO" sz="2600" dirty="0"/>
+              <a:t>Embedded Neo4J</a:t>
+            </a:r>
+          </a:p>
+          <a:p>
+            <a:pPr marL="285750" indent="-285750">
+              <a:buFont typeface="Arial" panose="020B0604020202020204" pitchFamily="34" charset="0"/>
+              <a:buChar char="•"/>
+            </a:pPr>
+            <a:r>
+              <a:rPr lang="en-NO" sz="2600" dirty="0"/>
+              <a:t>Neo4J Java Driver</a:t>
+            </a:r>
+          </a:p>
+          <a:p>
+            <a:pPr marL="285750" indent="-285750">
+              <a:buFont typeface="Arial" panose="020B0604020202020204" pitchFamily="34" charset="0"/>
+              <a:buChar char="•"/>
+            </a:pPr>
+            <a:r>
+              <a:rPr lang="en-NO" sz="2600" dirty="0"/>
+              <a:t>Neo4J JDBC Driver</a:t>
+            </a:r>
+          </a:p>
+          <a:p>
+            <a:pPr marL="285750" indent="-285750">
+              <a:buFont typeface="Arial" panose="020B0604020202020204" pitchFamily="34" charset="0"/>
+              <a:buChar char="•"/>
+            </a:pPr>
+            <a:r>
+              <a:rPr lang="en-NO" sz="2600" dirty="0"/>
+              <a:t>Spring Data Neo4J</a:t>
+            </a:r>
           </a:p>
         </p:txBody>
       </p:sp>
     </p:spTree>
     <p:extLst>
       <p:ext uri="{BB962C8B-B14F-4D97-AF65-F5344CB8AC3E}">
-        <p14:creationId xmlns:p14="http://schemas.microsoft.com/office/powerpoint/2010/main" val="3496808446"/>
+        <p14:creationId xmlns:p14="http://schemas.microsoft.com/office/powerpoint/2010/main" val="3036480"/>
       </p:ext>
     </p:extLst>
   </p:cSld>
@@ -4250,6 +4248,252 @@
           <p:cNvPr id="2" name="Title 1">
             <a:extLst>
               <a:ext uri="{FF2B5EF4-FFF2-40B4-BE49-F238E27FC236}">
+                <a16:creationId xmlns:a16="http://schemas.microsoft.com/office/drawing/2014/main" id="{16628AD3-F967-A34E-8B15-BC1A60481766}"/>
+              </a:ext>
+            </a:extLst>
+          </p:cNvPr>
+          <p:cNvSpPr>
+            <a:spLocks noGrp="1"/>
+          </p:cNvSpPr>
+          <p:nvPr>
+            <p:ph type="title"/>
+          </p:nvPr>
+        </p:nvSpPr>
+        <p:spPr/>
+        <p:txBody>
+          <a:bodyPr/>
+          <a:lstStyle/>
+          <a:p>
+            <a:r>
+              <a:rPr lang="en-NO" dirty="0"/>
+              <a:t>Object-Graph Mapping</a:t>
+            </a:r>
+          </a:p>
+        </p:txBody>
+      </p:sp>
+      <p:sp>
+        <p:nvSpPr>
+          <p:cNvPr id="4" name="TextBox 3">
+            <a:extLst>
+              <a:ext uri="{FF2B5EF4-FFF2-40B4-BE49-F238E27FC236}">
+                <a16:creationId xmlns:a16="http://schemas.microsoft.com/office/drawing/2014/main" id="{8846F96C-A996-1944-BB29-CA8D2F73D9B5}"/>
+              </a:ext>
+            </a:extLst>
+          </p:cNvPr>
+          <p:cNvSpPr txBox="1"/>
+          <p:nvPr/>
+        </p:nvSpPr>
+        <p:spPr>
+          <a:xfrm>
+            <a:off x="1389375" y="2090057"/>
+            <a:ext cx="9603275" cy="892552"/>
+          </a:xfrm>
+          <a:prstGeom prst="rect">
+            <a:avLst/>
+          </a:prstGeom>
+          <a:noFill/>
+        </p:spPr>
+        <p:txBody>
+          <a:bodyPr wrap="square" rtlCol="0">
+            <a:spAutoFit/>
+          </a:bodyPr>
+          <a:lstStyle/>
+          <a:p>
+            <a:r>
+              <a:rPr lang="en-NO" sz="2600" dirty="0"/>
+              <a:t>Similarly to ORM – Object-relational mapping, Neo4J has </a:t>
+            </a:r>
+            <a:br>
+              <a:rPr lang="en-NO" sz="2600" dirty="0"/>
+            </a:br>
+            <a:r>
+              <a:rPr lang="en-NO" sz="2600" b="1" dirty="0"/>
+              <a:t>Object-Graph mapping</a:t>
+            </a:r>
+            <a:r>
+              <a:rPr lang="en-NO" sz="2600" dirty="0"/>
+              <a:t>.</a:t>
+            </a:r>
+          </a:p>
+        </p:txBody>
+      </p:sp>
+      <p:sp>
+        <p:nvSpPr>
+          <p:cNvPr id="5" name="TextBox 4">
+            <a:extLst>
+              <a:ext uri="{FF2B5EF4-FFF2-40B4-BE49-F238E27FC236}">
+                <a16:creationId xmlns:a16="http://schemas.microsoft.com/office/drawing/2014/main" id="{B9E56824-6010-B84D-98C9-81DB25A2ABAD}"/>
+              </a:ext>
+            </a:extLst>
+          </p:cNvPr>
+          <p:cNvSpPr txBox="1"/>
+          <p:nvPr/>
+        </p:nvSpPr>
+        <p:spPr>
+          <a:xfrm>
+            <a:off x="3672264" y="3082549"/>
+            <a:ext cx="4302716" cy="2893100"/>
+          </a:xfrm>
+          <a:prstGeom prst="rect">
+            <a:avLst/>
+          </a:prstGeom>
+          <a:noFill/>
+        </p:spPr>
+        <p:txBody>
+          <a:bodyPr wrap="none" rtlCol="0">
+            <a:spAutoFit/>
+          </a:bodyPr>
+          <a:lstStyle/>
+          <a:p>
+            <a:r>
+              <a:rPr lang="en-GB" sz="2600" dirty="0">
+                <a:solidFill>
+                  <a:srgbClr val="007B29"/>
+                </a:solidFill>
+              </a:rPr>
+              <a:t>@</a:t>
+            </a:r>
+            <a:r>
+              <a:rPr lang="en-GB" sz="2600" dirty="0" err="1">
+                <a:solidFill>
+                  <a:srgbClr val="007B29"/>
+                </a:solidFill>
+              </a:rPr>
+              <a:t>NodeEntity</a:t>
+            </a:r>
+            <a:br>
+              <a:rPr lang="en-GB" sz="2600" dirty="0"/>
+            </a:br>
+            <a:r>
+              <a:rPr lang="en-GB" sz="2600" b="1" dirty="0"/>
+              <a:t>public</a:t>
+            </a:r>
+            <a:r>
+              <a:rPr lang="en-GB" sz="2600" dirty="0"/>
+              <a:t> </a:t>
+            </a:r>
+            <a:r>
+              <a:rPr lang="en-GB" sz="2600" b="1" dirty="0"/>
+              <a:t>class</a:t>
+            </a:r>
+            <a:r>
+              <a:rPr lang="en-GB" sz="2600" dirty="0"/>
+              <a:t> </a:t>
+            </a:r>
+            <a:r>
+              <a:rPr lang="en-GB" sz="2600" b="1" dirty="0"/>
+              <a:t>Company</a:t>
+            </a:r>
+            <a:r>
+              <a:rPr lang="en-GB" sz="2600" dirty="0"/>
+              <a:t> { </a:t>
+            </a:r>
+            <a:br>
+              <a:rPr lang="en-GB" sz="2600" dirty="0"/>
+            </a:br>
+            <a:r>
+              <a:rPr lang="en-GB" sz="2600" dirty="0"/>
+              <a:t>  </a:t>
+            </a:r>
+            <a:r>
+              <a:rPr lang="en-GB" sz="2600" b="1" dirty="0"/>
+              <a:t>private</a:t>
+            </a:r>
+            <a:r>
+              <a:rPr lang="en-GB" sz="2600" dirty="0"/>
+              <a:t> Long id;</a:t>
+            </a:r>
+            <a:br>
+              <a:rPr lang="en-GB" sz="2600" dirty="0"/>
+            </a:br>
+            <a:r>
+              <a:rPr lang="en-GB" sz="2600" dirty="0"/>
+              <a:t>  </a:t>
+            </a:r>
+            <a:r>
+              <a:rPr lang="en-GB" sz="2600" b="1" dirty="0"/>
+              <a:t>private</a:t>
+            </a:r>
+            <a:r>
+              <a:rPr lang="en-GB" sz="2600" dirty="0"/>
+              <a:t> String name; </a:t>
+            </a:r>
+            <a:br>
+              <a:rPr lang="en-GB" sz="2600" dirty="0"/>
+            </a:br>
+            <a:r>
+              <a:rPr lang="en-GB" sz="2600" dirty="0"/>
+              <a:t>  </a:t>
+            </a:r>
+            <a:r>
+              <a:rPr lang="en-GB" sz="2600" dirty="0">
+                <a:solidFill>
+                  <a:srgbClr val="007B29"/>
+                </a:solidFill>
+              </a:rPr>
+              <a:t>@Relationship(type="owns")</a:t>
+            </a:r>
+            <a:br>
+              <a:rPr lang="en-GB" sz="2600" dirty="0"/>
+            </a:br>
+            <a:r>
+              <a:rPr lang="en-GB" sz="2600" dirty="0"/>
+              <a:t>  </a:t>
+            </a:r>
+            <a:r>
+              <a:rPr lang="en-GB" sz="2600" b="1" dirty="0"/>
+              <a:t>private</a:t>
+            </a:r>
+            <a:r>
+              <a:rPr lang="en-GB" sz="2600" dirty="0"/>
+              <a:t> Car car; </a:t>
+            </a:r>
+            <a:br>
+              <a:rPr lang="en-GB" sz="2600" dirty="0"/>
+            </a:br>
+            <a:r>
+              <a:rPr lang="en-GB" sz="2600" dirty="0"/>
+              <a:t>}</a:t>
+            </a:r>
+            <a:endParaRPr lang="en-NO" sz="2600" dirty="0"/>
+          </a:p>
+        </p:txBody>
+      </p:sp>
+    </p:spTree>
+    <p:extLst>
+      <p:ext uri="{BB962C8B-B14F-4D97-AF65-F5344CB8AC3E}">
+        <p14:creationId xmlns:p14="http://schemas.microsoft.com/office/powerpoint/2010/main" val="3496808446"/>
+      </p:ext>
+    </p:extLst>
+  </p:cSld>
+  <p:clrMapOvr>
+    <a:masterClrMapping/>
+  </p:clrMapOvr>
+</p:sld>
+</file>
+
+<file path=ppt/slides/slide15.xml><?xml version="1.0" encoding="utf-8"?>
+<p:sld xmlns:a="http://schemas.openxmlformats.org/drawingml/2006/main" xmlns:r="http://schemas.openxmlformats.org/officeDocument/2006/relationships" xmlns:p="http://schemas.openxmlformats.org/presentationml/2006/main">
+  <p:cSld>
+    <p:spTree>
+      <p:nvGrpSpPr>
+        <p:cNvPr id="1" name=""/>
+        <p:cNvGrpSpPr/>
+        <p:nvPr/>
+      </p:nvGrpSpPr>
+      <p:grpSpPr>
+        <a:xfrm>
+          <a:off x="0" y="0"/>
+          <a:ext cx="0" cy="0"/>
+          <a:chOff x="0" y="0"/>
+          <a:chExt cx="0" cy="0"/>
+        </a:xfrm>
+      </p:grpSpPr>
+      <p:sp>
+        <p:nvSpPr>
+          <p:cNvPr id="2" name="Title 1">
+            <a:extLst>
+              <a:ext uri="{FF2B5EF4-FFF2-40B4-BE49-F238E27FC236}">
                 <a16:creationId xmlns:a16="http://schemas.microsoft.com/office/drawing/2014/main" id="{CA5F0B7D-E4E1-E94A-99EC-D3354630D979}"/>
               </a:ext>
             </a:extLst>
@@ -4286,7 +4530,7 @@
 </p:sld>
 </file>
 
-<file path=ppt/slides/slide15.xml><?xml version="1.0" encoding="utf-8"?>
+<file path=ppt/slides/slide16.xml><?xml version="1.0" encoding="utf-8"?>
 <p:sld xmlns:a="http://schemas.openxmlformats.org/drawingml/2006/main" xmlns:r="http://schemas.openxmlformats.org/officeDocument/2006/relationships" xmlns:p="http://schemas.openxmlformats.org/presentationml/2006/main">
   <p:cSld>
     <p:spTree>
@@ -5019,7 +5263,7 @@
           <a:p>
             <a:r>
               <a:rPr lang="en-NO" dirty="0"/>
-              <a:t>NEO4J REST API EXAMPLE</a:t>
+              <a:t>NEO4J REST API</a:t>
             </a:r>
           </a:p>
         </p:txBody>
@@ -5148,7 +5392,7 @@
           <p:cNvPr id="2" name="Title 1">
             <a:extLst>
               <a:ext uri="{FF2B5EF4-FFF2-40B4-BE49-F238E27FC236}">
-                <a16:creationId xmlns:a16="http://schemas.microsoft.com/office/drawing/2014/main" id="{ABF8752E-4C2A-A542-83A6-BBE3DDD9C65D}"/>
+                <a16:creationId xmlns:a16="http://schemas.microsoft.com/office/drawing/2014/main" id="{443F7814-0AA3-CF41-9F35-4ED97F0DFE0C}"/>
               </a:ext>
             </a:extLst>
           </p:cNvPr>
@@ -5166,7 +5410,15 @@
           <a:p>
             <a:r>
               <a:rPr lang="en-NO" dirty="0"/>
-              <a:t>NEO4J API and CYPHER language</a:t>
+              <a:t>NEO4J REST API P</a:t>
+            </a:r>
+            <a:r>
+              <a:rPr lang="en-GB" dirty="0"/>
+              <a:t>a</a:t>
+            </a:r>
+            <a:r>
+              <a:rPr lang="en-NO" dirty="0"/>
+              <a:t>yload example</a:t>
             </a:r>
           </a:p>
         </p:txBody>
@@ -5176,7 +5428,7 @@
           <p:cNvPr id="3" name="Content Placeholder 2">
             <a:extLst>
               <a:ext uri="{FF2B5EF4-FFF2-40B4-BE49-F238E27FC236}">
-                <a16:creationId xmlns:a16="http://schemas.microsoft.com/office/drawing/2014/main" id="{E093155A-28C0-2B42-B1B1-75C0D860FACA}"/>
+                <a16:creationId xmlns:a16="http://schemas.microsoft.com/office/drawing/2014/main" id="{DDB97537-5AF9-2340-ADD0-57E878803027}"/>
               </a:ext>
             </a:extLst>
           </p:cNvPr>
@@ -5187,12 +5439,7 @@
             <p:ph idx="1"/>
           </p:nvPr>
         </p:nvSpPr>
-        <p:spPr>
-          <a:xfrm>
-            <a:off x="1451580" y="2015732"/>
-            <a:ext cx="7841710" cy="766937"/>
-          </a:xfrm>
-        </p:spPr>
+        <p:spPr/>
         <p:txBody>
           <a:bodyPr>
             <a:noAutofit/>
@@ -5203,65 +5450,161 @@
               <a:buNone/>
             </a:pPr>
             <a:r>
-              <a:rPr lang="en-NO" sz="2600" dirty="0"/>
-              <a:t>Cypher is a declarative graph query kanguage.</a:t>
-            </a:r>
-          </a:p>
-        </p:txBody>
-      </p:sp>
-      <p:sp>
-        <p:nvSpPr>
-          <p:cNvPr id="4" name="TextBox 3">
-            <a:extLst>
-              <a:ext uri="{FF2B5EF4-FFF2-40B4-BE49-F238E27FC236}">
-                <a16:creationId xmlns:a16="http://schemas.microsoft.com/office/drawing/2014/main" id="{2D601170-7B11-0A41-AA9E-BBD96A1EAF61}"/>
-              </a:ext>
-            </a:extLst>
-          </p:cNvPr>
-          <p:cNvSpPr txBox="1"/>
-          <p:nvPr/>
-        </p:nvSpPr>
-        <p:spPr>
-          <a:xfrm>
-            <a:off x="1451579" y="3336668"/>
-            <a:ext cx="9839425" cy="1477328"/>
-          </a:xfrm>
-          <a:prstGeom prst="rect">
-            <a:avLst/>
-          </a:prstGeom>
-          <a:noFill/>
-        </p:spPr>
-        <p:txBody>
-          <a:bodyPr wrap="none" rtlCol="0">
-            <a:spAutoFit/>
-          </a:bodyPr>
-          <a:lstStyle/>
-          <a:p>
-            <a:r>
-              <a:rPr lang="en-NO" sz="3000" dirty="0"/>
-              <a:t>MATCH (player: Player)-[r:OPPONENTS]-&gt;(opponent:Player)</a:t>
-            </a:r>
-            <a:br>
-              <a:rPr lang="en-NO" sz="3000" dirty="0"/>
-            </a:br>
-            <a:r>
-              <a:rPr lang="en-NO" sz="3000" dirty="0"/>
-              <a:t>WHERE player.nickname = ‘hikaru’</a:t>
-            </a:r>
-            <a:br>
-              <a:rPr lang="en-NO" sz="3000" dirty="0"/>
-            </a:br>
-            <a:r>
-              <a:rPr lang="en-NO" sz="3000" dirty="0"/>
-              <a:t>RETURN player, opponent</a:t>
-            </a:r>
+              <a:rPr lang="en-GB" dirty="0"/>
+              <a:t>{ "extensions" : { }, "node" : "http://localhost:7474/</a:t>
+            </a:r>
+            <a:r>
+              <a:rPr lang="en-GB" dirty="0" err="1"/>
+              <a:t>db</a:t>
+            </a:r>
+            <a:r>
+              <a:rPr lang="en-GB" dirty="0"/>
+              <a:t>/data/node", "relationship" : "http://localhost:7474/</a:t>
+            </a:r>
+            <a:r>
+              <a:rPr lang="en-GB" dirty="0" err="1"/>
+              <a:t>db</a:t>
+            </a:r>
+            <a:r>
+              <a:rPr lang="en-GB" dirty="0"/>
+              <a:t>/data/relationship", "</a:t>
+            </a:r>
+            <a:r>
+              <a:rPr lang="en-GB" dirty="0" err="1"/>
+              <a:t>node_index</a:t>
+            </a:r>
+            <a:r>
+              <a:rPr lang="en-GB" dirty="0"/>
+              <a:t>" : "http://localhost:7474/</a:t>
+            </a:r>
+            <a:r>
+              <a:rPr lang="en-GB" dirty="0" err="1"/>
+              <a:t>db</a:t>
+            </a:r>
+            <a:r>
+              <a:rPr lang="en-GB" dirty="0"/>
+              <a:t>/data/index/node", "</a:t>
+            </a:r>
+            <a:r>
+              <a:rPr lang="en-GB" dirty="0" err="1"/>
+              <a:t>relationship_index</a:t>
+            </a:r>
+            <a:r>
+              <a:rPr lang="en-GB" dirty="0"/>
+              <a:t>" : "http://localhost:7474/</a:t>
+            </a:r>
+            <a:r>
+              <a:rPr lang="en-GB" dirty="0" err="1"/>
+              <a:t>db</a:t>
+            </a:r>
+            <a:r>
+              <a:rPr lang="en-GB" dirty="0"/>
+              <a:t>/data/index/relationship", "</a:t>
+            </a:r>
+            <a:r>
+              <a:rPr lang="en-GB" dirty="0" err="1"/>
+              <a:t>extensions_info</a:t>
+            </a:r>
+            <a:r>
+              <a:rPr lang="en-GB" dirty="0"/>
+              <a:t>" : "http://localhost:7474/</a:t>
+            </a:r>
+            <a:r>
+              <a:rPr lang="en-GB" dirty="0" err="1"/>
+              <a:t>db</a:t>
+            </a:r>
+            <a:r>
+              <a:rPr lang="en-GB" dirty="0"/>
+              <a:t>/data/</a:t>
+            </a:r>
+            <a:r>
+              <a:rPr lang="en-GB" dirty="0" err="1"/>
+              <a:t>ext</a:t>
+            </a:r>
+            <a:r>
+              <a:rPr lang="en-GB" dirty="0"/>
+              <a:t>", "</a:t>
+            </a:r>
+            <a:r>
+              <a:rPr lang="en-GB" dirty="0" err="1"/>
+              <a:t>relationship_types</a:t>
+            </a:r>
+            <a:r>
+              <a:rPr lang="en-GB" dirty="0"/>
+              <a:t>" : "http://localhost:7474/</a:t>
+            </a:r>
+            <a:r>
+              <a:rPr lang="en-GB" dirty="0" err="1"/>
+              <a:t>db</a:t>
+            </a:r>
+            <a:r>
+              <a:rPr lang="en-GB" dirty="0"/>
+              <a:t>/data/relationship/types", "batch" : "http://localhost:7474/</a:t>
+            </a:r>
+            <a:r>
+              <a:rPr lang="en-GB" dirty="0" err="1"/>
+              <a:t>db</a:t>
+            </a:r>
+            <a:r>
+              <a:rPr lang="en-GB" dirty="0"/>
+              <a:t>/data/batch", "cypher" : "http://localhost:7474/</a:t>
+            </a:r>
+            <a:r>
+              <a:rPr lang="en-GB" dirty="0" err="1"/>
+              <a:t>db</a:t>
+            </a:r>
+            <a:r>
+              <a:rPr lang="en-GB" dirty="0"/>
+              <a:t>/data/cypher", "indexes" : "http://localhost:7474/</a:t>
+            </a:r>
+            <a:r>
+              <a:rPr lang="en-GB" dirty="0" err="1"/>
+              <a:t>db</a:t>
+            </a:r>
+            <a:r>
+              <a:rPr lang="en-GB" dirty="0"/>
+              <a:t>/data/schema/index", "constraints" : "http://localhost:7474/</a:t>
+            </a:r>
+            <a:r>
+              <a:rPr lang="en-GB" dirty="0" err="1"/>
+              <a:t>db</a:t>
+            </a:r>
+            <a:r>
+              <a:rPr lang="en-GB" dirty="0"/>
+              <a:t>/data/schema/constraint", "transaction" : "http://localhost:7474/</a:t>
+            </a:r>
+            <a:r>
+              <a:rPr lang="en-GB" dirty="0" err="1"/>
+              <a:t>db</a:t>
+            </a:r>
+            <a:r>
+              <a:rPr lang="en-GB" dirty="0"/>
+              <a:t>/data/transaction", "</a:t>
+            </a:r>
+            <a:r>
+              <a:rPr lang="en-GB" dirty="0" err="1"/>
+              <a:t>node_labels</a:t>
+            </a:r>
+            <a:r>
+              <a:rPr lang="en-GB" dirty="0"/>
+              <a:t>" : "http://localhost:7474/</a:t>
+            </a:r>
+            <a:r>
+              <a:rPr lang="en-GB" dirty="0" err="1"/>
+              <a:t>db</a:t>
+            </a:r>
+            <a:r>
+              <a:rPr lang="en-GB" dirty="0"/>
+              <a:t>/data/labels", "neo4j_version" : "3.4.2-SNAPSHOT" }</a:t>
+            </a:r>
+            <a:endParaRPr lang="en-NO" dirty="0"/>
           </a:p>
         </p:txBody>
       </p:sp>
     </p:spTree>
     <p:extLst>
       <p:ext uri="{BB962C8B-B14F-4D97-AF65-F5344CB8AC3E}">
-        <p14:creationId xmlns:p14="http://schemas.microsoft.com/office/powerpoint/2010/main" val="3736151652"/>
+        <p14:creationId xmlns:p14="http://schemas.microsoft.com/office/powerpoint/2010/main" val="338341480"/>
       </p:ext>
     </p:extLst>
   </p:cSld>
@@ -5293,7 +5636,7 @@
           <p:cNvPr id="2" name="Title 1">
             <a:extLst>
               <a:ext uri="{FF2B5EF4-FFF2-40B4-BE49-F238E27FC236}">
-                <a16:creationId xmlns:a16="http://schemas.microsoft.com/office/drawing/2014/main" id="{16FFA4AF-5AA3-5841-9DC4-B7F8B5DB2647}"/>
+                <a16:creationId xmlns:a16="http://schemas.microsoft.com/office/drawing/2014/main" id="{ABF8752E-4C2A-A542-83A6-BBE3DDD9C65D}"/>
               </a:ext>
             </a:extLst>
           </p:cNvPr>
@@ -5311,7 +5654,45 @@
           <a:p>
             <a:r>
               <a:rPr lang="en-NO" dirty="0"/>
-              <a:t>NEO4J Keywords</a:t>
+              <a:t>NEO4J API and CYPHER language</a:t>
+            </a:r>
+          </a:p>
+        </p:txBody>
+      </p:sp>
+      <p:sp>
+        <p:nvSpPr>
+          <p:cNvPr id="3" name="Content Placeholder 2">
+            <a:extLst>
+              <a:ext uri="{FF2B5EF4-FFF2-40B4-BE49-F238E27FC236}">
+                <a16:creationId xmlns:a16="http://schemas.microsoft.com/office/drawing/2014/main" id="{E093155A-28C0-2B42-B1B1-75C0D860FACA}"/>
+              </a:ext>
+            </a:extLst>
+          </p:cNvPr>
+          <p:cNvSpPr>
+            <a:spLocks noGrp="1"/>
+          </p:cNvSpPr>
+          <p:nvPr>
+            <p:ph idx="1"/>
+          </p:nvPr>
+        </p:nvSpPr>
+        <p:spPr>
+          <a:xfrm>
+            <a:off x="1451580" y="2015732"/>
+            <a:ext cx="7841710" cy="766937"/>
+          </a:xfrm>
+        </p:spPr>
+        <p:txBody>
+          <a:bodyPr>
+            <a:noAutofit/>
+          </a:bodyPr>
+          <a:lstStyle/>
+          <a:p>
+            <a:pPr marL="0" indent="0">
+              <a:buNone/>
+            </a:pPr>
+            <a:r>
+              <a:rPr lang="en-NO" sz="2600" dirty="0"/>
+              <a:t>Cypher is a declarative graph query kanguage.</a:t>
             </a:r>
           </a:p>
         </p:txBody>
@@ -5321,7 +5702,7 @@
           <p:cNvPr id="4" name="TextBox 3">
             <a:extLst>
               <a:ext uri="{FF2B5EF4-FFF2-40B4-BE49-F238E27FC236}">
-                <a16:creationId xmlns:a16="http://schemas.microsoft.com/office/drawing/2014/main" id="{2D5F0C07-5B94-0646-8A9F-E06940B12DE3}"/>
+                <a16:creationId xmlns:a16="http://schemas.microsoft.com/office/drawing/2014/main" id="{2D601170-7B11-0A41-AA9E-BBD96A1EAF61}"/>
               </a:ext>
             </a:extLst>
           </p:cNvPr>
@@ -5330,8 +5711,8 @@
         </p:nvSpPr>
         <p:spPr>
           <a:xfrm>
-            <a:off x="1451579" y="2360162"/>
-            <a:ext cx="4627984" cy="3693319"/>
+            <a:off x="1451579" y="3336668"/>
+            <a:ext cx="9839425" cy="1477328"/>
           </a:xfrm>
           <a:prstGeom prst="rect">
             <a:avLst/>
@@ -5339,164 +5720,28 @@
           <a:noFill/>
         </p:spPr>
         <p:txBody>
-          <a:bodyPr wrap="square" rtlCol="0">
-            <a:spAutoFit/>
-          </a:bodyPr>
-          <a:lstStyle/>
-          <a:p>
-            <a:pPr marL="285750" indent="-285750">
-              <a:buFont typeface="Arial" panose="020B0604020202020204" pitchFamily="34" charset="0"/>
-              <a:buChar char="•"/>
-            </a:pPr>
-            <a:r>
-              <a:rPr lang="en-NO" sz="2600" dirty="0"/>
-              <a:t>MATCH</a:t>
-            </a:r>
-          </a:p>
-          <a:p>
-            <a:pPr marL="285750" indent="-285750">
-              <a:buFont typeface="Arial" panose="020B0604020202020204" pitchFamily="34" charset="0"/>
-              <a:buChar char="•"/>
-            </a:pPr>
-            <a:r>
-              <a:rPr lang="en-NO" sz="2600" dirty="0"/>
-              <a:t>RETURN</a:t>
-            </a:r>
-          </a:p>
-          <a:p>
-            <a:pPr marL="285750" indent="-285750">
-              <a:buFont typeface="Arial" panose="020B0604020202020204" pitchFamily="34" charset="0"/>
-              <a:buChar char="•"/>
-            </a:pPr>
-            <a:r>
-              <a:rPr lang="en-NO" sz="2600" dirty="0"/>
-              <a:t>WHERE</a:t>
-            </a:r>
-          </a:p>
-          <a:p>
-            <a:pPr marL="285750" indent="-285750">
-              <a:buFont typeface="Arial" panose="020B0604020202020204" pitchFamily="34" charset="0"/>
-              <a:buChar char="•"/>
-            </a:pPr>
-            <a:r>
-              <a:rPr lang="en-NO" sz="2600" dirty="0"/>
-              <a:t>CREATE or CREATE UNIQUE</a:t>
-            </a:r>
-          </a:p>
-          <a:p>
-            <a:pPr marL="285750" indent="-285750">
-              <a:buFont typeface="Arial" panose="020B0604020202020204" pitchFamily="34" charset="0"/>
-              <a:buChar char="•"/>
-            </a:pPr>
-            <a:r>
-              <a:rPr lang="en-NO" sz="2600" dirty="0"/>
-              <a:t>MERGE</a:t>
-            </a:r>
-          </a:p>
-          <a:p>
-            <a:pPr marL="285750" indent="-285750">
-              <a:buFont typeface="Arial" panose="020B0604020202020204" pitchFamily="34" charset="0"/>
-              <a:buChar char="•"/>
-            </a:pPr>
-            <a:r>
-              <a:rPr lang="en-NO" sz="2600" dirty="0"/>
-              <a:t>DELETE or REMOVE</a:t>
-            </a:r>
-          </a:p>
-          <a:p>
-            <a:pPr marL="285750" indent="-285750">
-              <a:buFont typeface="Arial" panose="020B0604020202020204" pitchFamily="34" charset="0"/>
-              <a:buChar char="•"/>
-            </a:pPr>
-            <a:r>
-              <a:rPr lang="en-NO" sz="2600" dirty="0"/>
-              <a:t>SET</a:t>
-            </a:r>
-            <a:br>
-              <a:rPr lang="en-NO" sz="2600" dirty="0"/>
-            </a:br>
-            <a:br>
-              <a:rPr lang="en-NO" sz="2600" dirty="0"/>
-            </a:br>
-            <a:endParaRPr lang="en-NO" sz="2600" dirty="0"/>
-          </a:p>
-        </p:txBody>
-      </p:sp>
-      <p:sp>
-        <p:nvSpPr>
-          <p:cNvPr id="5" name="TextBox 4">
-            <a:extLst>
-              <a:ext uri="{FF2B5EF4-FFF2-40B4-BE49-F238E27FC236}">
-                <a16:creationId xmlns:a16="http://schemas.microsoft.com/office/drawing/2014/main" id="{559637ED-F1E2-D849-8D00-1029420D0163}"/>
-              </a:ext>
-            </a:extLst>
-          </p:cNvPr>
-          <p:cNvSpPr txBox="1"/>
-          <p:nvPr/>
-        </p:nvSpPr>
-        <p:spPr>
-          <a:xfrm>
-            <a:off x="7875035" y="2382559"/>
-            <a:ext cx="2050561" cy="2092881"/>
-          </a:xfrm>
-          <a:prstGeom prst="rect">
-            <a:avLst/>
-          </a:prstGeom>
-          <a:noFill/>
-        </p:spPr>
-        <p:txBody>
           <a:bodyPr wrap="none" rtlCol="0">
             <a:spAutoFit/>
           </a:bodyPr>
           <a:lstStyle/>
           <a:p>
-            <a:pPr marL="285750" indent="-285750">
-              <a:buFont typeface="Arial" panose="020B0604020202020204" pitchFamily="34" charset="0"/>
-              <a:buChar char="•"/>
-            </a:pPr>
-            <a:r>
-              <a:rPr lang="en-NO" sz="2600" dirty="0"/>
-              <a:t>ORDER BY</a:t>
-            </a:r>
-          </a:p>
-          <a:p>
-            <a:pPr marL="285750" indent="-285750">
-              <a:buFont typeface="Arial" panose="020B0604020202020204" pitchFamily="34" charset="0"/>
-              <a:buChar char="•"/>
-            </a:pPr>
-            <a:r>
-              <a:rPr lang="en-NO" sz="2600" dirty="0"/>
-              <a:t>SKIP LIMIT</a:t>
-            </a:r>
-          </a:p>
-          <a:p>
-            <a:pPr marL="285750" indent="-285750">
-              <a:buFont typeface="Arial" panose="020B0604020202020204" pitchFamily="34" charset="0"/>
-              <a:buChar char="•"/>
-            </a:pPr>
-            <a:r>
-              <a:rPr lang="en-NO" sz="2600" dirty="0"/>
-              <a:t>FOREACH</a:t>
-            </a:r>
-          </a:p>
-          <a:p>
-            <a:pPr marL="285750" indent="-285750">
-              <a:buFont typeface="Arial" panose="020B0604020202020204" pitchFamily="34" charset="0"/>
-              <a:buChar char="•"/>
-            </a:pPr>
-            <a:r>
-              <a:rPr lang="en-NO" sz="2600" dirty="0"/>
-              <a:t>UNION</a:t>
-            </a:r>
-          </a:p>
-          <a:p>
-            <a:pPr marL="285750" indent="-285750">
-              <a:buFont typeface="Arial" panose="020B0604020202020204" pitchFamily="34" charset="0"/>
-              <a:buChar char="•"/>
-            </a:pPr>
-            <a:r>
-              <a:rPr lang="en-NO" sz="2600" dirty="0"/>
-              <a:t>WITH</a:t>
+            <a:r>
+              <a:rPr lang="en-NO" sz="3000" dirty="0"/>
+              <a:t>MATCH (player: Player)-[r:OPPONENTS]-&gt;(opponent:Player)</a:t>
+            </a:r>
+            <a:br>
+              <a:rPr lang="en-NO" sz="3000" dirty="0"/>
+            </a:br>
+            <a:r>
+              <a:rPr lang="en-NO" sz="3000" dirty="0"/>
+              <a:t>WHERE player.nickname = ‘hikaru’</a:t>
+            </a:r>
+            <a:br>
+              <a:rPr lang="en-NO" sz="3000" dirty="0"/>
+            </a:br>
+            <a:r>
+              <a:rPr lang="en-NO" sz="3000" dirty="0"/>
+              <a:t>RETURN player, opponent</a:t>
             </a:r>
           </a:p>
         </p:txBody>
@@ -5504,7 +5749,7 @@
     </p:spTree>
     <p:extLst>
       <p:ext uri="{BB962C8B-B14F-4D97-AF65-F5344CB8AC3E}">
-        <p14:creationId xmlns:p14="http://schemas.microsoft.com/office/powerpoint/2010/main" val="376452228"/>
+        <p14:creationId xmlns:p14="http://schemas.microsoft.com/office/powerpoint/2010/main" val="3736151652"/>
       </p:ext>
     </p:extLst>
   </p:cSld>
